--- a/assets/award_final_categories.pptx
+++ b/assets/award_final_categories.pptx
@@ -5717,7 +5717,7 @@
         <p:spPr>
           <a:xfrm>
             <a:off x="987594" y="8282344"/>
-            <a:ext cx="6320832" cy="892552"/>
+            <a:ext cx="6320832" cy="1292662"/>
           </a:xfrm>
           <a:prstGeom prst="rect">
             <a:avLst/>
@@ -5740,7 +5740,7 @@
                   </a:schemeClr>
                 </a:solidFill>
               </a:rPr>
-              <a:t>Управлению правового обеспечения </a:t>
+              <a:t>Имя</a:t>
             </a:r>
           </a:p>
           <a:p>
@@ -5754,19 +5754,11 @@
                   </a:schemeClr>
                 </a:solidFill>
               </a:rPr>
-              <a:t> и судебной защиты </a:t>
-            </a:r>
-            <a:r>
-              <a:rPr lang="ru-RU" sz="2600" b="1" i="1" dirty="0" err="1">
-                <a:solidFill>
-                  <a:schemeClr val="accent4">
-                    <a:lumMod val="40000"/>
-                    <a:lumOff val="60000"/>
-                  </a:schemeClr>
-                </a:solidFill>
-              </a:rPr>
-              <a:t>Росимущества</a:t>
-            </a:r>
+              <a:t>Фамилия Отчество</a:t>
+            </a:r>
+          </a:p>
+          <a:p>
+            <a:pPr algn="ctr"/>
             <a:endParaRPr lang="ru-RU" sz="2600" b="1" i="1" dirty="0">
               <a:solidFill>
                 <a:schemeClr val="accent4">
@@ -5905,7 +5897,7 @@
                   </a:schemeClr>
                 </a:solidFill>
               </a:rPr>
-              <a:t>НАЦИОНАЛЬНОЙ ПРЕМИИ</a:t>
+              <a:t>НАЦИОНАЛЬНАЯ ПРЕМИЯ</a:t>
             </a:r>
           </a:p>
           <a:p>
@@ -5946,8 +5938,8 @@
         </p:nvSpPr>
         <p:spPr>
           <a:xfrm>
-            <a:off x="2930586" y="7628255"/>
-            <a:ext cx="2560894" cy="384721"/>
+            <a:off x="2843223" y="7628255"/>
+            <a:ext cx="2735622" cy="384721"/>
           </a:xfrm>
           <a:prstGeom prst="rect">
             <a:avLst/>
@@ -5970,7 +5962,7 @@
                   </a:schemeClr>
                 </a:solidFill>
               </a:rPr>
-              <a:t>присуждена 2016</a:t>
+              <a:t>присуждена в 2016</a:t>
             </a:r>
             <a:r>
               <a:rPr lang="en-US" sz="1900" b="1" dirty="0">
